--- a/Astor AI Presentation.pptx
+++ b/Astor AI Presentation.pptx
@@ -1,30 +1,30 @@
 
 <file path=ppt/presentation.xml><?xml version="1.0" encoding="utf-8"?>
-<p:presentation xmlns:a="http://schemas.openxmlformats.org/drawingml/2006/main" xmlns:r="http://schemas.openxmlformats.org/officeDocument/2006/relationships" xmlns:p="http://schemas.openxmlformats.org/presentationml/2006/main" saveSubsetFonts="1" embedTrueTypeFonts="true">
+<p:presentation xmlns:a="http://schemas.openxmlformats.org/drawingml/2006/main" xmlns:r="http://schemas.openxmlformats.org/officeDocument/2006/relationships" xmlns:p="http://schemas.openxmlformats.org/presentationml/2006/main" embedTrueTypeFonts="1" saveSubsetFonts="1">
   <p:sldMasterIdLst>
     <p:sldMasterId id="2147483648" r:id="rId1"/>
   </p:sldMasterIdLst>
   <p:sldIdLst>
-    <p:sldId id="256" r:id="rId6"/>
-    <p:sldId id="257" r:id="rId7"/>
-    <p:sldId id="258" r:id="rId8"/>
-    <p:sldId id="259" r:id="rId9"/>
-    <p:sldId id="260" r:id="rId10"/>
+    <p:sldId id="256" r:id="rId2"/>
+    <p:sldId id="257" r:id="rId3"/>
+    <p:sldId id="258" r:id="rId4"/>
+    <p:sldId id="259" r:id="rId5"/>
+    <p:sldId id="260" r:id="rId6"/>
   </p:sldIdLst>
   <p:sldSz cx="18288000" cy="10287000"/>
   <p:notesSz cx="6858000" cy="9144000"/>
   <p:embeddedFontLst>
     <p:embeddedFont>
-      <p:font typeface="ITC Avant Garde Gothic Bold" charset="1" panose="020B0802020202020204"/>
-      <p:regular r:id="rId11"/>
+      <p:font typeface="Canva Sans" panose="020B0604020202020204" charset="0"/>
+      <p:regular r:id="rId7"/>
     </p:embeddedFont>
     <p:embeddedFont>
-      <p:font typeface="Gotham Bold" charset="1" panose="00000000000000000000"/>
-      <p:regular r:id="rId12"/>
+      <p:font typeface="Gotham Bold" panose="020B0604020202020204" charset="0"/>
+      <p:regular r:id="rId8"/>
     </p:embeddedFont>
     <p:embeddedFont>
-      <p:font typeface="Canva Sans" charset="1" panose="020B0503030501040103"/>
-      <p:regular r:id="rId13"/>
+      <p:font typeface="ITC Avant Garde Gothic Bold" panose="020B0604020202020204" charset="0"/>
+      <p:regular r:id="rId9"/>
     </p:embeddedFont>
   </p:embeddedFontLst>
   <p:defaultTextStyle>
@@ -122,6 +122,22 @@
       </a:defRPr>
     </a:lvl9pPr>
   </p:defaultTextStyle>
+  <p:extLst>
+    <p:ext uri="{EFAFB233-063F-42B5-8137-9DF3F51BA10A}">
+      <p15:sldGuideLst xmlns:p15="http://schemas.microsoft.com/office/powerpoint/2012/main">
+        <p15:guide id="1" orient="horz" pos="2160">
+          <p15:clr>
+            <a:srgbClr val="A4A3A4"/>
+          </p15:clr>
+        </p15:guide>
+        <p15:guide id="2" pos="2880">
+          <p15:clr>
+            <a:srgbClr val="A4A3A4"/>
+          </p15:clr>
+        </p15:guide>
+      </p15:sldGuideLst>
+    </p:ext>
+  </p:extLst>
 </p:presentation>
 </file>
 
@@ -163,10 +179,9 @@
           <a:lstStyle/>
           <a:p>
             <a:r>
-              <a:rPr lang="en-US" smtClean="0"/>
+              <a:rPr lang="en-US"/>
               <a:t>Click to edit Master title style</a:t>
             </a:r>
-            <a:endParaRPr lang="en-US"/>
           </a:p>
         </p:txBody>
       </p:sp>
@@ -282,10 +297,9 @@
           </a:lstStyle>
           <a:p>
             <a:r>
-              <a:rPr lang="en-US" smtClean="0"/>
+              <a:rPr lang="en-US"/>
               <a:t>Click to edit Master subtitle style</a:t>
             </a:r>
-            <a:endParaRPr lang="en-US"/>
           </a:p>
         </p:txBody>
       </p:sp>
@@ -307,7 +321,7 @@
             <a:fld id="{1D8BD707-D9CF-40AE-B4C6-C98DA3205C09}" type="datetimeFigureOut">
               <a:rPr lang="en-US" smtClean="0"/>
               <a:pPr/>
-              <a:t>8/1/2011</a:t>
+              <a:t>8/27/2024</a:t>
             </a:fld>
             <a:endParaRPr lang="en-US"/>
           </a:p>
@@ -397,10 +411,9 @@
           <a:lstStyle/>
           <a:p>
             <a:r>
-              <a:rPr lang="en-US" smtClean="0"/>
+              <a:rPr lang="en-US"/>
               <a:t>Click to edit Master title style</a:t>
             </a:r>
-            <a:endParaRPr lang="en-US"/>
           </a:p>
         </p:txBody>
       </p:sp>
@@ -421,38 +434,37 @@
           <a:p>
             <a:pPr lvl="0"/>
             <a:r>
-              <a:rPr lang="en-US" smtClean="0"/>
+              <a:rPr lang="en-US"/>
               <a:t>Click to edit Master text styles</a:t>
             </a:r>
           </a:p>
           <a:p>
             <a:pPr lvl="1"/>
             <a:r>
-              <a:rPr lang="en-US" smtClean="0"/>
+              <a:rPr lang="en-US"/>
               <a:t>Second level</a:t>
             </a:r>
           </a:p>
           <a:p>
             <a:pPr lvl="2"/>
             <a:r>
-              <a:rPr lang="en-US" smtClean="0"/>
+              <a:rPr lang="en-US"/>
               <a:t>Third level</a:t>
             </a:r>
           </a:p>
           <a:p>
             <a:pPr lvl="3"/>
             <a:r>
-              <a:rPr lang="en-US" smtClean="0"/>
+              <a:rPr lang="en-US"/>
               <a:t>Fourth level</a:t>
             </a:r>
           </a:p>
           <a:p>
             <a:pPr lvl="4"/>
             <a:r>
-              <a:rPr lang="en-US" smtClean="0"/>
+              <a:rPr lang="en-US"/>
               <a:t>Fifth level</a:t>
             </a:r>
-            <a:endParaRPr lang="en-US"/>
           </a:p>
         </p:txBody>
       </p:sp>
@@ -474,7 +486,7 @@
             <a:fld id="{1D8BD707-D9CF-40AE-B4C6-C98DA3205C09}" type="datetimeFigureOut">
               <a:rPr lang="en-US" smtClean="0"/>
               <a:pPr/>
-              <a:t>8/1/2011</a:t>
+              <a:t>8/27/2024</a:t>
             </a:fld>
             <a:endParaRPr lang="en-US"/>
           </a:p>
@@ -569,10 +581,9 @@
           <a:lstStyle/>
           <a:p>
             <a:r>
-              <a:rPr lang="en-US" smtClean="0"/>
+              <a:rPr lang="en-US"/>
               <a:t>Click to edit Master title style</a:t>
             </a:r>
-            <a:endParaRPr lang="en-US"/>
           </a:p>
         </p:txBody>
       </p:sp>
@@ -598,38 +609,37 @@
           <a:p>
             <a:pPr lvl="0"/>
             <a:r>
-              <a:rPr lang="en-US" smtClean="0"/>
+              <a:rPr lang="en-US"/>
               <a:t>Click to edit Master text styles</a:t>
             </a:r>
           </a:p>
           <a:p>
             <a:pPr lvl="1"/>
             <a:r>
-              <a:rPr lang="en-US" smtClean="0"/>
+              <a:rPr lang="en-US"/>
               <a:t>Second level</a:t>
             </a:r>
           </a:p>
           <a:p>
             <a:pPr lvl="2"/>
             <a:r>
-              <a:rPr lang="en-US" smtClean="0"/>
+              <a:rPr lang="en-US"/>
               <a:t>Third level</a:t>
             </a:r>
           </a:p>
           <a:p>
             <a:pPr lvl="3"/>
             <a:r>
-              <a:rPr lang="en-US" smtClean="0"/>
+              <a:rPr lang="en-US"/>
               <a:t>Fourth level</a:t>
             </a:r>
           </a:p>
           <a:p>
             <a:pPr lvl="4"/>
             <a:r>
-              <a:rPr lang="en-US" smtClean="0"/>
+              <a:rPr lang="en-US"/>
               <a:t>Fifth level</a:t>
             </a:r>
-            <a:endParaRPr lang="en-US"/>
           </a:p>
         </p:txBody>
       </p:sp>
@@ -651,7 +661,7 @@
             <a:fld id="{1D8BD707-D9CF-40AE-B4C6-C98DA3205C09}" type="datetimeFigureOut">
               <a:rPr lang="en-US" smtClean="0"/>
               <a:pPr/>
-              <a:t>8/1/2011</a:t>
+              <a:t>8/27/2024</a:t>
             </a:fld>
             <a:endParaRPr lang="en-US"/>
           </a:p>
@@ -741,10 +751,9 @@
           <a:lstStyle/>
           <a:p>
             <a:r>
-              <a:rPr lang="en-US" smtClean="0"/>
+              <a:rPr lang="en-US"/>
               <a:t>Click to edit Master title style</a:t>
             </a:r>
-            <a:endParaRPr lang="en-US"/>
           </a:p>
         </p:txBody>
       </p:sp>
@@ -765,38 +774,37 @@
           <a:p>
             <a:pPr lvl="0"/>
             <a:r>
-              <a:rPr lang="en-US" smtClean="0"/>
+              <a:rPr lang="en-US"/>
               <a:t>Click to edit Master text styles</a:t>
             </a:r>
           </a:p>
           <a:p>
             <a:pPr lvl="1"/>
             <a:r>
-              <a:rPr lang="en-US" smtClean="0"/>
+              <a:rPr lang="en-US"/>
               <a:t>Second level</a:t>
             </a:r>
           </a:p>
           <a:p>
             <a:pPr lvl="2"/>
             <a:r>
-              <a:rPr lang="en-US" smtClean="0"/>
+              <a:rPr lang="en-US"/>
               <a:t>Third level</a:t>
             </a:r>
           </a:p>
           <a:p>
             <a:pPr lvl="3"/>
             <a:r>
-              <a:rPr lang="en-US" smtClean="0"/>
+              <a:rPr lang="en-US"/>
               <a:t>Fourth level</a:t>
             </a:r>
           </a:p>
           <a:p>
             <a:pPr lvl="4"/>
             <a:r>
-              <a:rPr lang="en-US" smtClean="0"/>
+              <a:rPr lang="en-US"/>
               <a:t>Fifth level</a:t>
             </a:r>
-            <a:endParaRPr lang="en-US"/>
           </a:p>
         </p:txBody>
       </p:sp>
@@ -818,7 +826,7 @@
             <a:fld id="{1D8BD707-D9CF-40AE-B4C6-C98DA3205C09}" type="datetimeFigureOut">
               <a:rPr lang="en-US" smtClean="0"/>
               <a:pPr/>
-              <a:t>8/1/2011</a:t>
+              <a:t>8/27/2024</a:t>
             </a:fld>
             <a:endParaRPr lang="en-US"/>
           </a:p>
@@ -917,10 +925,9 @@
           </a:lstStyle>
           <a:p>
             <a:r>
-              <a:rPr lang="en-US" smtClean="0"/>
+              <a:rPr lang="en-US"/>
               <a:t>Click to edit Master title style</a:t>
             </a:r>
-            <a:endParaRPr lang="en-US"/>
           </a:p>
         </p:txBody>
       </p:sp>
@@ -1037,7 +1044,7 @@
           <a:p>
             <a:pPr lvl="0"/>
             <a:r>
-              <a:rPr lang="en-US" smtClean="0"/>
+              <a:rPr lang="en-US"/>
               <a:t>Click to edit Master text styles</a:t>
             </a:r>
           </a:p>
@@ -1061,7 +1068,7 @@
             <a:fld id="{1D8BD707-D9CF-40AE-B4C6-C98DA3205C09}" type="datetimeFigureOut">
               <a:rPr lang="en-US" smtClean="0"/>
               <a:pPr/>
-              <a:t>8/1/2011</a:t>
+              <a:t>8/27/2024</a:t>
             </a:fld>
             <a:endParaRPr lang="en-US"/>
           </a:p>
@@ -1151,10 +1158,9 @@
           <a:lstStyle/>
           <a:p>
             <a:r>
-              <a:rPr lang="en-US" smtClean="0"/>
+              <a:rPr lang="en-US"/>
               <a:t>Click to edit Master title style</a:t>
             </a:r>
-            <a:endParaRPr lang="en-US"/>
           </a:p>
         </p:txBody>
       </p:sp>
@@ -1208,38 +1214,37 @@
           <a:p>
             <a:pPr lvl="0"/>
             <a:r>
-              <a:rPr lang="en-US" smtClean="0"/>
+              <a:rPr lang="en-US"/>
               <a:t>Click to edit Master text styles</a:t>
             </a:r>
           </a:p>
           <a:p>
             <a:pPr lvl="1"/>
             <a:r>
-              <a:rPr lang="en-US" smtClean="0"/>
+              <a:rPr lang="en-US"/>
               <a:t>Second level</a:t>
             </a:r>
           </a:p>
           <a:p>
             <a:pPr lvl="2"/>
             <a:r>
-              <a:rPr lang="en-US" smtClean="0"/>
+              <a:rPr lang="en-US"/>
               <a:t>Third level</a:t>
             </a:r>
           </a:p>
           <a:p>
             <a:pPr lvl="3"/>
             <a:r>
-              <a:rPr lang="en-US" smtClean="0"/>
+              <a:rPr lang="en-US"/>
               <a:t>Fourth level</a:t>
             </a:r>
           </a:p>
           <a:p>
             <a:pPr lvl="4"/>
             <a:r>
-              <a:rPr lang="en-US" smtClean="0"/>
+              <a:rPr lang="en-US"/>
               <a:t>Fifth level</a:t>
             </a:r>
-            <a:endParaRPr lang="en-US"/>
           </a:p>
         </p:txBody>
       </p:sp>
@@ -1293,38 +1298,37 @@
           <a:p>
             <a:pPr lvl="0"/>
             <a:r>
-              <a:rPr lang="en-US" smtClean="0"/>
+              <a:rPr lang="en-US"/>
               <a:t>Click to edit Master text styles</a:t>
             </a:r>
           </a:p>
           <a:p>
             <a:pPr lvl="1"/>
             <a:r>
-              <a:rPr lang="en-US" smtClean="0"/>
+              <a:rPr lang="en-US"/>
               <a:t>Second level</a:t>
             </a:r>
           </a:p>
           <a:p>
             <a:pPr lvl="2"/>
             <a:r>
-              <a:rPr lang="en-US" smtClean="0"/>
+              <a:rPr lang="en-US"/>
               <a:t>Third level</a:t>
             </a:r>
           </a:p>
           <a:p>
             <a:pPr lvl="3"/>
             <a:r>
-              <a:rPr lang="en-US" smtClean="0"/>
+              <a:rPr lang="en-US"/>
               <a:t>Fourth level</a:t>
             </a:r>
           </a:p>
           <a:p>
             <a:pPr lvl="4"/>
             <a:r>
-              <a:rPr lang="en-US" smtClean="0"/>
+              <a:rPr lang="en-US"/>
               <a:t>Fifth level</a:t>
             </a:r>
-            <a:endParaRPr lang="en-US"/>
           </a:p>
         </p:txBody>
       </p:sp>
@@ -1346,7 +1350,7 @@
             <a:fld id="{1D8BD707-D9CF-40AE-B4C6-C98DA3205C09}" type="datetimeFigureOut">
               <a:rPr lang="en-US" smtClean="0"/>
               <a:pPr/>
-              <a:t>8/1/2011</a:t>
+              <a:t>8/27/2024</a:t>
             </a:fld>
             <a:endParaRPr lang="en-US"/>
           </a:p>
@@ -1440,10 +1444,9 @@
           </a:lstStyle>
           <a:p>
             <a:r>
-              <a:rPr lang="en-US" smtClean="0"/>
+              <a:rPr lang="en-US"/>
               <a:t>Click to edit Master title style</a:t>
             </a:r>
-            <a:endParaRPr lang="en-US"/>
           </a:p>
         </p:txBody>
       </p:sp>
@@ -1506,7 +1509,7 @@
           <a:p>
             <a:pPr lvl="0"/>
             <a:r>
-              <a:rPr lang="en-US" smtClean="0"/>
+              <a:rPr lang="en-US"/>
               <a:t>Click to edit Master text styles</a:t>
             </a:r>
           </a:p>
@@ -1562,38 +1565,37 @@
           <a:p>
             <a:pPr lvl="0"/>
             <a:r>
-              <a:rPr lang="en-US" smtClean="0"/>
+              <a:rPr lang="en-US"/>
               <a:t>Click to edit Master text styles</a:t>
             </a:r>
           </a:p>
           <a:p>
             <a:pPr lvl="1"/>
             <a:r>
-              <a:rPr lang="en-US" smtClean="0"/>
+              <a:rPr lang="en-US"/>
               <a:t>Second level</a:t>
             </a:r>
           </a:p>
           <a:p>
             <a:pPr lvl="2"/>
             <a:r>
-              <a:rPr lang="en-US" smtClean="0"/>
+              <a:rPr lang="en-US"/>
               <a:t>Third level</a:t>
             </a:r>
           </a:p>
           <a:p>
             <a:pPr lvl="3"/>
             <a:r>
-              <a:rPr lang="en-US" smtClean="0"/>
+              <a:rPr lang="en-US"/>
               <a:t>Fourth level</a:t>
             </a:r>
           </a:p>
           <a:p>
             <a:pPr lvl="4"/>
             <a:r>
-              <a:rPr lang="en-US" smtClean="0"/>
+              <a:rPr lang="en-US"/>
               <a:t>Fifth level</a:t>
             </a:r>
-            <a:endParaRPr lang="en-US"/>
           </a:p>
         </p:txBody>
       </p:sp>
@@ -1656,7 +1658,7 @@
           <a:p>
             <a:pPr lvl="0"/>
             <a:r>
-              <a:rPr lang="en-US" smtClean="0"/>
+              <a:rPr lang="en-US"/>
               <a:t>Click to edit Master text styles</a:t>
             </a:r>
           </a:p>
@@ -1712,38 +1714,37 @@
           <a:p>
             <a:pPr lvl="0"/>
             <a:r>
-              <a:rPr lang="en-US" smtClean="0"/>
+              <a:rPr lang="en-US"/>
               <a:t>Click to edit Master text styles</a:t>
             </a:r>
           </a:p>
           <a:p>
             <a:pPr lvl="1"/>
             <a:r>
-              <a:rPr lang="en-US" smtClean="0"/>
+              <a:rPr lang="en-US"/>
               <a:t>Second level</a:t>
             </a:r>
           </a:p>
           <a:p>
             <a:pPr lvl="2"/>
             <a:r>
-              <a:rPr lang="en-US" smtClean="0"/>
+              <a:rPr lang="en-US"/>
               <a:t>Third level</a:t>
             </a:r>
           </a:p>
           <a:p>
             <a:pPr lvl="3"/>
             <a:r>
-              <a:rPr lang="en-US" smtClean="0"/>
+              <a:rPr lang="en-US"/>
               <a:t>Fourth level</a:t>
             </a:r>
           </a:p>
           <a:p>
             <a:pPr lvl="4"/>
             <a:r>
-              <a:rPr lang="en-US" smtClean="0"/>
+              <a:rPr lang="en-US"/>
               <a:t>Fifth level</a:t>
             </a:r>
-            <a:endParaRPr lang="en-US"/>
           </a:p>
         </p:txBody>
       </p:sp>
@@ -1765,7 +1766,7 @@
             <a:fld id="{1D8BD707-D9CF-40AE-B4C6-C98DA3205C09}" type="datetimeFigureOut">
               <a:rPr lang="en-US" smtClean="0"/>
               <a:pPr/>
-              <a:t>8/1/2011</a:t>
+              <a:t>8/27/2024</a:t>
             </a:fld>
             <a:endParaRPr lang="en-US"/>
           </a:p>
@@ -1855,10 +1856,9 @@
           <a:lstStyle/>
           <a:p>
             <a:r>
-              <a:rPr lang="en-US" smtClean="0"/>
+              <a:rPr lang="en-US"/>
               <a:t>Click to edit Master title style</a:t>
             </a:r>
-            <a:endParaRPr lang="en-US"/>
           </a:p>
         </p:txBody>
       </p:sp>
@@ -1880,7 +1880,7 @@
             <a:fld id="{1D8BD707-D9CF-40AE-B4C6-C98DA3205C09}" type="datetimeFigureOut">
               <a:rPr lang="en-US" smtClean="0"/>
               <a:pPr/>
-              <a:t>8/1/2011</a:t>
+              <a:t>8/27/2024</a:t>
             </a:fld>
             <a:endParaRPr lang="en-US"/>
           </a:p>
@@ -1972,7 +1972,7 @@
             <a:fld id="{1D8BD707-D9CF-40AE-B4C6-C98DA3205C09}" type="datetimeFigureOut">
               <a:rPr lang="en-US" smtClean="0"/>
               <a:pPr/>
-              <a:t>8/1/2011</a:t>
+              <a:t>8/27/2024</a:t>
             </a:fld>
             <a:endParaRPr lang="en-US"/>
           </a:p>
@@ -2071,10 +2071,9 @@
           </a:lstStyle>
           <a:p>
             <a:r>
-              <a:rPr lang="en-US" smtClean="0"/>
+              <a:rPr lang="en-US"/>
               <a:t>Click to edit Master title style</a:t>
             </a:r>
-            <a:endParaRPr lang="en-US"/>
           </a:p>
         </p:txBody>
       </p:sp>
@@ -2128,38 +2127,37 @@
           <a:p>
             <a:pPr lvl="0"/>
             <a:r>
-              <a:rPr lang="en-US" smtClean="0"/>
+              <a:rPr lang="en-US"/>
               <a:t>Click to edit Master text styles</a:t>
             </a:r>
           </a:p>
           <a:p>
             <a:pPr lvl="1"/>
             <a:r>
-              <a:rPr lang="en-US" smtClean="0"/>
+              <a:rPr lang="en-US"/>
               <a:t>Second level</a:t>
             </a:r>
           </a:p>
           <a:p>
             <a:pPr lvl="2"/>
             <a:r>
-              <a:rPr lang="en-US" smtClean="0"/>
+              <a:rPr lang="en-US"/>
               <a:t>Third level</a:t>
             </a:r>
           </a:p>
           <a:p>
             <a:pPr lvl="3"/>
             <a:r>
-              <a:rPr lang="en-US" smtClean="0"/>
+              <a:rPr lang="en-US"/>
               <a:t>Fourth level</a:t>
             </a:r>
           </a:p>
           <a:p>
             <a:pPr lvl="4"/>
             <a:r>
-              <a:rPr lang="en-US" smtClean="0"/>
+              <a:rPr lang="en-US"/>
               <a:t>Fifth level</a:t>
             </a:r>
-            <a:endParaRPr lang="en-US"/>
           </a:p>
         </p:txBody>
       </p:sp>
@@ -2222,7 +2220,7 @@
           <a:p>
             <a:pPr lvl="0"/>
             <a:r>
-              <a:rPr lang="en-US" smtClean="0"/>
+              <a:rPr lang="en-US"/>
               <a:t>Click to edit Master text styles</a:t>
             </a:r>
           </a:p>
@@ -2246,7 +2244,7 @@
             <a:fld id="{1D8BD707-D9CF-40AE-B4C6-C98DA3205C09}" type="datetimeFigureOut">
               <a:rPr lang="en-US" smtClean="0"/>
               <a:pPr/>
-              <a:t>8/1/2011</a:t>
+              <a:t>8/27/2024</a:t>
             </a:fld>
             <a:endParaRPr lang="en-US"/>
           </a:p>
@@ -2345,10 +2343,9 @@
           </a:lstStyle>
           <a:p>
             <a:r>
-              <a:rPr lang="en-US" smtClean="0"/>
+              <a:rPr lang="en-US"/>
               <a:t>Click to edit Master title style</a:t>
             </a:r>
-            <a:endParaRPr lang="en-US"/>
           </a:p>
         </p:txBody>
       </p:sp>
@@ -2472,7 +2469,7 @@
           <a:p>
             <a:pPr lvl="0"/>
             <a:r>
-              <a:rPr lang="en-US" smtClean="0"/>
+              <a:rPr lang="en-US"/>
               <a:t>Click to edit Master text styles</a:t>
             </a:r>
           </a:p>
@@ -2496,7 +2493,7 @@
             <a:fld id="{1D8BD707-D9CF-40AE-B4C6-C98DA3205C09}" type="datetimeFigureOut">
               <a:rPr lang="en-US" smtClean="0"/>
               <a:pPr/>
-              <a:t>8/1/2011</a:t>
+              <a:t>8/27/2024</a:t>
             </a:fld>
             <a:endParaRPr lang="en-US"/>
           </a:p>
@@ -2601,10 +2598,9 @@
           <a:lstStyle/>
           <a:p>
             <a:r>
-              <a:rPr lang="en-US" smtClean="0"/>
+              <a:rPr lang="en-US"/>
               <a:t>Click to edit Master title style</a:t>
             </a:r>
-            <a:endParaRPr lang="en-US"/>
           </a:p>
         </p:txBody>
       </p:sp>
@@ -2635,38 +2631,37 @@
           <a:p>
             <a:pPr lvl="0"/>
             <a:r>
-              <a:rPr lang="en-US" smtClean="0"/>
+              <a:rPr lang="en-US"/>
               <a:t>Click to edit Master text styles</a:t>
             </a:r>
           </a:p>
           <a:p>
             <a:pPr lvl="1"/>
             <a:r>
-              <a:rPr lang="en-US" smtClean="0"/>
+              <a:rPr lang="en-US"/>
               <a:t>Second level</a:t>
             </a:r>
           </a:p>
           <a:p>
             <a:pPr lvl="2"/>
             <a:r>
-              <a:rPr lang="en-US" smtClean="0"/>
+              <a:rPr lang="en-US"/>
               <a:t>Third level</a:t>
             </a:r>
           </a:p>
           <a:p>
             <a:pPr lvl="3"/>
             <a:r>
-              <a:rPr lang="en-US" smtClean="0"/>
+              <a:rPr lang="en-US"/>
               <a:t>Fourth level</a:t>
             </a:r>
           </a:p>
           <a:p>
             <a:pPr lvl="4"/>
             <a:r>
-              <a:rPr lang="en-US" smtClean="0"/>
+              <a:rPr lang="en-US"/>
               <a:t>Fifth level</a:t>
             </a:r>
-            <a:endParaRPr lang="en-US"/>
           </a:p>
         </p:txBody>
       </p:sp>
@@ -2706,7 +2701,7 @@
             <a:fld id="{1D8BD707-D9CF-40AE-B4C6-C98DA3205C09}" type="datetimeFigureOut">
               <a:rPr lang="en-US" smtClean="0"/>
               <a:pPr/>
-              <a:t>8/1/2011</a:t>
+              <a:t>8/27/2024</a:t>
             </a:fld>
             <a:endParaRPr lang="en-US"/>
           </a:p>
@@ -3061,13 +3056,14 @@
 </file>
 
 <file path=ppt/slides/slide1.xml><?xml version="1.0" encoding="utf-8"?>
-<p:sld xmlns:p="http://schemas.openxmlformats.org/presentationml/2006/main" xmlns:a="http://schemas.openxmlformats.org/drawingml/2006/main" xmlns:r="http://schemas.openxmlformats.org/officeDocument/2006/relationships">
+<p:sld xmlns:a="http://schemas.openxmlformats.org/drawingml/2006/main" xmlns:r="http://schemas.openxmlformats.org/officeDocument/2006/relationships" xmlns:p="http://schemas.openxmlformats.org/presentationml/2006/main">
   <p:cSld>
     <p:bg>
       <p:bgPr>
         <a:solidFill>
           <a:srgbClr val="FAF6F6"/>
         </a:solidFill>
+        <a:effectLst/>
       </p:bgPr>
     </p:bg>
     <p:spTree>
@@ -3086,12 +3082,12 @@
       </p:grpSpPr>
       <p:grpSp>
         <p:nvGrpSpPr>
-          <p:cNvPr name="Group 2" id="2"/>
+          <p:cNvPr id="2" name="Group 2"/>
           <p:cNvGrpSpPr/>
           <p:nvPr/>
         </p:nvGrpSpPr>
         <p:grpSpPr>
-          <a:xfrm rot="0">
+          <a:xfrm>
             <a:off x="576263" y="569459"/>
             <a:ext cx="17135475" cy="9148082"/>
             <a:chOff x="0" y="0"/>
@@ -3100,12 +3096,12 @@
         </p:grpSpPr>
         <p:sp>
           <p:nvSpPr>
-            <p:cNvPr name="Freeform 3" id="3"/>
+            <p:cNvPr id="3" name="Freeform 3"/>
             <p:cNvSpPr/>
             <p:nvPr/>
           </p:nvSpPr>
           <p:spPr>
-            <a:xfrm flipH="false" flipV="false" rot="0">
+            <a:xfrm>
               <a:off x="0" y="0"/>
               <a:ext cx="4513047" cy="2409371"/>
             </a:xfrm>
@@ -3114,9 +3110,9 @@
               <a:gdLst/>
               <a:ahLst/>
               <a:cxnLst/>
-              <a:rect r="r" b="b" t="t" l="l"/>
+              <a:rect l="l" t="t" r="r" b="b"/>
               <a:pathLst>
-                <a:path h="2409371" w="4513047">
+                <a:path w="4513047" h="2409371">
                   <a:moveTo>
                     <a:pt x="0" y="0"/>
                   </a:moveTo>
@@ -3149,8 +3145,8 @@
         </p:sp>
         <p:sp>
           <p:nvSpPr>
-            <p:cNvPr name="TextBox 4" id="4"/>
-            <p:cNvSpPr txBox="true"/>
+            <p:cNvPr id="4" name="TextBox 4"/>
+            <p:cNvSpPr txBox="1"/>
             <p:nvPr/>
           </p:nvSpPr>
           <p:spPr>
@@ -3163,7 +3159,7 @@
             </a:prstGeom>
           </p:spPr>
           <p:txBody>
-            <a:bodyPr anchor="ctr" rtlCol="false" tIns="50800" lIns="50800" bIns="50800" rIns="50800"/>
+            <a:bodyPr lIns="50800" tIns="50800" rIns="50800" bIns="50800" rtlCol="0" anchor="ctr"/>
             <a:lstStyle/>
             <a:p>
               <a:pPr algn="ctr">
@@ -3171,18 +3167,19 @@
                   <a:spcPts val="1960"/>
                 </a:lnSpc>
               </a:pPr>
+              <a:endParaRPr/>
             </a:p>
           </p:txBody>
         </p:sp>
       </p:grpSp>
       <p:grpSp>
         <p:nvGrpSpPr>
-          <p:cNvPr name="Group 5" id="5"/>
+          <p:cNvPr id="5" name="Group 5"/>
           <p:cNvGrpSpPr/>
           <p:nvPr/>
         </p:nvGrpSpPr>
         <p:grpSpPr>
-          <a:xfrm rot="0">
+          <a:xfrm>
             <a:off x="3804557" y="4722765"/>
             <a:ext cx="10678886" cy="1012763"/>
             <a:chOff x="0" y="0"/>
@@ -3191,12 +3188,12 @@
         </p:grpSpPr>
         <p:sp>
           <p:nvSpPr>
-            <p:cNvPr name="Freeform 6" id="6"/>
+            <p:cNvPr id="6" name="Freeform 6"/>
             <p:cNvSpPr/>
             <p:nvPr/>
           </p:nvSpPr>
           <p:spPr>
-            <a:xfrm flipH="false" flipV="false" rot="0">
+            <a:xfrm>
               <a:off x="0" y="0"/>
               <a:ext cx="2812546" cy="266736"/>
             </a:xfrm>
@@ -3205,9 +3202,9 @@
               <a:gdLst/>
               <a:ahLst/>
               <a:cxnLst/>
-              <a:rect r="r" b="b" t="t" l="l"/>
+              <a:rect l="l" t="t" r="r" b="b"/>
               <a:pathLst>
-                <a:path h="266736" w="2812546">
+                <a:path w="2812546" h="266736">
                   <a:moveTo>
                     <a:pt x="0" y="0"/>
                   </a:moveTo>
@@ -3231,8 +3228,8 @@
         </p:sp>
         <p:sp>
           <p:nvSpPr>
-            <p:cNvPr name="TextBox 7" id="7"/>
-            <p:cNvSpPr txBox="true"/>
+            <p:cNvPr id="7" name="TextBox 7"/>
+            <p:cNvSpPr txBox="1"/>
             <p:nvPr/>
           </p:nvSpPr>
           <p:spPr>
@@ -3245,7 +3242,7 @@
             </a:prstGeom>
           </p:spPr>
           <p:txBody>
-            <a:bodyPr anchor="ctr" rtlCol="false" tIns="50800" lIns="50800" bIns="50800" rIns="50800"/>
+            <a:bodyPr lIns="50800" tIns="50800" rIns="50800" bIns="50800" rtlCol="0" anchor="ctr"/>
             <a:lstStyle/>
             <a:p>
               <a:pPr algn="ctr">
@@ -3253,18 +3250,19 @@
                   <a:spcPts val="1960"/>
                 </a:lnSpc>
               </a:pPr>
+              <a:endParaRPr/>
             </a:p>
           </p:txBody>
         </p:sp>
       </p:grpSp>
       <p:sp>
         <p:nvSpPr>
-          <p:cNvPr name="TextBox 8" id="8"/>
-          <p:cNvSpPr txBox="true"/>
+          <p:cNvPr id="8" name="TextBox 8"/>
+          <p:cNvSpPr txBox="1"/>
           <p:nvPr/>
         </p:nvSpPr>
         <p:spPr>
-          <a:xfrm rot="0">
+          <a:xfrm>
             <a:off x="2933510" y="3529538"/>
             <a:ext cx="12476332" cy="2752725"/>
           </a:xfrm>
@@ -3273,12 +3271,12 @@
           </a:prstGeom>
         </p:spPr>
         <p:txBody>
-          <a:bodyPr anchor="t" rtlCol="false" tIns="0" lIns="0" bIns="0" rIns="0">
+          <a:bodyPr lIns="0" tIns="0" rIns="0" bIns="0" rtlCol="0" anchor="t">
             <a:spAutoFit/>
           </a:bodyPr>
           <a:lstStyle/>
           <a:p>
-            <a:pPr algn="ctr" marL="0" indent="0" lvl="0">
+            <a:pPr marL="0" lvl="0" indent="0" algn="ctr">
               <a:lnSpc>
                 <a:spcPts val="18000"/>
               </a:lnSpc>
@@ -3300,12 +3298,12 @@
       </p:sp>
       <p:sp>
         <p:nvSpPr>
-          <p:cNvPr name="Freeform 9" id="9"/>
+          <p:cNvPr id="9" name="Freeform 9"/>
           <p:cNvSpPr/>
           <p:nvPr/>
         </p:nvSpPr>
         <p:spPr>
-          <a:xfrm flipH="false" flipV="false" rot="0">
+          <a:xfrm>
             <a:off x="15354490" y="7390825"/>
             <a:ext cx="2933510" cy="2896175"/>
           </a:xfrm>
@@ -3314,9 +3312,9 @@
             <a:gdLst/>
             <a:ahLst/>
             <a:cxnLst/>
-            <a:rect r="r" b="b" t="t" l="l"/>
+            <a:rect l="l" t="t" r="r" b="b"/>
             <a:pathLst>
-              <a:path h="2896175" w="2933510">
+              <a:path w="2933510" h="2896175">
                 <a:moveTo>
                   <a:pt x="0" y="0"/>
                 </a:moveTo>
@@ -3345,19 +3343,19 @@
               </a:extLst>
             </a:blip>
             <a:stretch>
-              <a:fillRect l="0" t="0" r="0" b="0"/>
+              <a:fillRect/>
             </a:stretch>
           </a:blipFill>
         </p:spPr>
       </p:sp>
       <p:sp>
         <p:nvSpPr>
-          <p:cNvPr name="Freeform 10" id="10"/>
+          <p:cNvPr id="10" name="Freeform 10"/>
           <p:cNvSpPr/>
           <p:nvPr/>
         </p:nvSpPr>
         <p:spPr>
-          <a:xfrm flipH="false" flipV="false" rot="-10800000">
+          <a:xfrm rot="-10800000">
             <a:off x="0" y="0"/>
             <a:ext cx="2933510" cy="2896175"/>
           </a:xfrm>
@@ -3366,9 +3364,9 @@
             <a:gdLst/>
             <a:ahLst/>
             <a:cxnLst/>
-            <a:rect r="r" b="b" t="t" l="l"/>
+            <a:rect l="l" t="t" r="r" b="b"/>
             <a:pathLst>
-              <a:path h="2896175" w="2933510">
+              <a:path w="2933510" h="2896175">
                 <a:moveTo>
                   <a:pt x="0" y="0"/>
                 </a:moveTo>
@@ -3397,19 +3395,19 @@
               </a:extLst>
             </a:blip>
             <a:stretch>
-              <a:fillRect l="0" t="0" r="0" b="0"/>
+              <a:fillRect/>
             </a:stretch>
           </a:blipFill>
         </p:spPr>
       </p:sp>
       <p:sp>
         <p:nvSpPr>
-          <p:cNvPr name="TextBox 11" id="11"/>
-          <p:cNvSpPr txBox="true"/>
+          <p:cNvPr id="11" name="TextBox 11"/>
+          <p:cNvSpPr txBox="1"/>
           <p:nvPr/>
         </p:nvSpPr>
         <p:spPr>
-          <a:xfrm rot="0">
+          <a:xfrm>
             <a:off x="3804557" y="5659328"/>
             <a:ext cx="10678886" cy="622935"/>
           </a:xfrm>
@@ -3418,7 +3416,7 @@
           </a:prstGeom>
         </p:spPr>
         <p:txBody>
-          <a:bodyPr anchor="t" rtlCol="false" tIns="0" lIns="0" bIns="0" rIns="0">
+          <a:bodyPr lIns="0" tIns="0" rIns="0" bIns="0" rtlCol="0" anchor="t">
             <a:spAutoFit/>
           </a:bodyPr>
           <a:lstStyle/>
@@ -3448,12 +3446,12 @@
       </p:sp>
       <p:sp>
         <p:nvSpPr>
-          <p:cNvPr name="TextBox 12" id="12"/>
-          <p:cNvSpPr txBox="true"/>
+          <p:cNvPr id="12" name="TextBox 12"/>
+          <p:cNvSpPr txBox="1"/>
           <p:nvPr/>
         </p:nvSpPr>
         <p:spPr>
-          <a:xfrm rot="0">
+          <a:xfrm>
             <a:off x="4431313" y="6398369"/>
             <a:ext cx="9425374" cy="622935"/>
           </a:xfrm>
@@ -3462,7 +3460,7 @@
           </a:prstGeom>
         </p:spPr>
         <p:txBody>
-          <a:bodyPr anchor="t" rtlCol="false" tIns="0" lIns="0" bIns="0" rIns="0">
+          <a:bodyPr lIns="0" tIns="0" rIns="0" bIns="0" rtlCol="0" anchor="t">
             <a:spAutoFit/>
           </a:bodyPr>
           <a:lstStyle/>
@@ -3499,13 +3497,14 @@
 </file>
 
 <file path=ppt/slides/slide2.xml><?xml version="1.0" encoding="utf-8"?>
-<p:sld xmlns:p="http://schemas.openxmlformats.org/presentationml/2006/main" xmlns:a="http://schemas.openxmlformats.org/drawingml/2006/main" xmlns:r="http://schemas.openxmlformats.org/officeDocument/2006/relationships">
+<p:sld xmlns:a="http://schemas.openxmlformats.org/drawingml/2006/main" xmlns:r="http://schemas.openxmlformats.org/officeDocument/2006/relationships" xmlns:p="http://schemas.openxmlformats.org/presentationml/2006/main">
   <p:cSld>
     <p:bg>
       <p:bgPr>
         <a:solidFill>
           <a:srgbClr val="FAF6F6"/>
         </a:solidFill>
+        <a:effectLst/>
       </p:bgPr>
     </p:bg>
     <p:spTree>
@@ -3524,12 +3523,12 @@
       </p:grpSpPr>
       <p:grpSp>
         <p:nvGrpSpPr>
-          <p:cNvPr name="Group 2" id="2"/>
+          <p:cNvPr id="2" name="Group 2"/>
           <p:cNvGrpSpPr/>
           <p:nvPr/>
         </p:nvGrpSpPr>
         <p:grpSpPr>
-          <a:xfrm rot="0">
+          <a:xfrm>
             <a:off x="438182" y="569459"/>
             <a:ext cx="17135475" cy="9148082"/>
             <a:chOff x="0" y="0"/>
@@ -3538,12 +3537,12 @@
         </p:grpSpPr>
         <p:sp>
           <p:nvSpPr>
-            <p:cNvPr name="Freeform 3" id="3"/>
+            <p:cNvPr id="3" name="Freeform 3"/>
             <p:cNvSpPr/>
             <p:nvPr/>
           </p:nvSpPr>
           <p:spPr>
-            <a:xfrm flipH="false" flipV="false" rot="0">
+            <a:xfrm>
               <a:off x="0" y="0"/>
               <a:ext cx="4513047" cy="2409371"/>
             </a:xfrm>
@@ -3552,9 +3551,9 @@
               <a:gdLst/>
               <a:ahLst/>
               <a:cxnLst/>
-              <a:rect r="r" b="b" t="t" l="l"/>
+              <a:rect l="l" t="t" r="r" b="b"/>
               <a:pathLst>
-                <a:path h="2409371" w="4513047">
+                <a:path w="4513047" h="2409371">
                   <a:moveTo>
                     <a:pt x="0" y="0"/>
                   </a:moveTo>
@@ -3587,8 +3586,8 @@
         </p:sp>
         <p:sp>
           <p:nvSpPr>
-            <p:cNvPr name="TextBox 4" id="4"/>
-            <p:cNvSpPr txBox="true"/>
+            <p:cNvPr id="4" name="TextBox 4"/>
+            <p:cNvSpPr txBox="1"/>
             <p:nvPr/>
           </p:nvSpPr>
           <p:spPr>
@@ -3601,7 +3600,7 @@
             </a:prstGeom>
           </p:spPr>
           <p:txBody>
-            <a:bodyPr anchor="ctr" rtlCol="false" tIns="50800" lIns="50800" bIns="50800" rIns="50800"/>
+            <a:bodyPr lIns="50800" tIns="50800" rIns="50800" bIns="50800" rtlCol="0" anchor="ctr"/>
             <a:lstStyle/>
             <a:p>
               <a:pPr algn="ctr">
@@ -3609,18 +3608,19 @@
                   <a:spcPts val="1960"/>
                 </a:lnSpc>
               </a:pPr>
+              <a:endParaRPr/>
             </a:p>
           </p:txBody>
         </p:sp>
       </p:grpSp>
       <p:sp>
         <p:nvSpPr>
-          <p:cNvPr name="Freeform 5" id="5"/>
+          <p:cNvPr id="5" name="Freeform 5"/>
           <p:cNvSpPr/>
           <p:nvPr/>
         </p:nvSpPr>
         <p:spPr>
-          <a:xfrm flipH="false" flipV="false" rot="0">
+          <a:xfrm>
             <a:off x="15354490" y="7390825"/>
             <a:ext cx="2933510" cy="2896175"/>
           </a:xfrm>
@@ -3629,9 +3629,9 @@
             <a:gdLst/>
             <a:ahLst/>
             <a:cxnLst/>
-            <a:rect r="r" b="b" t="t" l="l"/>
+            <a:rect l="l" t="t" r="r" b="b"/>
             <a:pathLst>
-              <a:path h="2896175" w="2933510">
+              <a:path w="2933510" h="2896175">
                 <a:moveTo>
                   <a:pt x="0" y="0"/>
                 </a:moveTo>
@@ -3660,19 +3660,19 @@
               </a:extLst>
             </a:blip>
             <a:stretch>
-              <a:fillRect l="0" t="0" r="0" b="0"/>
+              <a:fillRect/>
             </a:stretch>
           </a:blipFill>
         </p:spPr>
       </p:sp>
       <p:sp>
         <p:nvSpPr>
-          <p:cNvPr name="Freeform 6" id="6"/>
+          <p:cNvPr id="6" name="Freeform 6"/>
           <p:cNvSpPr/>
           <p:nvPr/>
         </p:nvSpPr>
         <p:spPr>
-          <a:xfrm flipH="false" flipV="false" rot="-10800000">
+          <a:xfrm rot="-10800000">
             <a:off x="0" y="0"/>
             <a:ext cx="2933510" cy="2896175"/>
           </a:xfrm>
@@ -3681,9 +3681,9 @@
             <a:gdLst/>
             <a:ahLst/>
             <a:cxnLst/>
-            <a:rect r="r" b="b" t="t" l="l"/>
+            <a:rect l="l" t="t" r="r" b="b"/>
             <a:pathLst>
-              <a:path h="2896175" w="2933510">
+              <a:path w="2933510" h="2896175">
                 <a:moveTo>
                   <a:pt x="0" y="0"/>
                 </a:moveTo>
@@ -3712,19 +3712,19 @@
               </a:extLst>
             </a:blip>
             <a:stretch>
-              <a:fillRect l="0" t="0" r="0" b="0"/>
+              <a:fillRect/>
             </a:stretch>
           </a:blipFill>
         </p:spPr>
       </p:sp>
       <p:sp>
         <p:nvSpPr>
-          <p:cNvPr name="Freeform 7" id="7"/>
+          <p:cNvPr id="7" name="Freeform 7"/>
           <p:cNvSpPr/>
           <p:nvPr/>
         </p:nvSpPr>
         <p:spPr>
-          <a:xfrm flipH="false" flipV="false" rot="0">
+          <a:xfrm>
             <a:off x="1028700" y="6312323"/>
             <a:ext cx="2157004" cy="2157004"/>
           </a:xfrm>
@@ -3733,9 +3733,9 @@
             <a:gdLst/>
             <a:ahLst/>
             <a:cxnLst/>
-            <a:rect r="r" b="b" t="t" l="l"/>
+            <a:rect l="l" t="t" r="r" b="b"/>
             <a:pathLst>
-              <a:path h="2157004" w="2157004">
+              <a:path w="2157004" h="2157004">
                 <a:moveTo>
                   <a:pt x="0" y="0"/>
                 </a:moveTo>
@@ -3758,19 +3758,19 @@
           <a:blipFill>
             <a:blip r:embed="rId4"/>
             <a:stretch>
-              <a:fillRect l="0" t="0" r="0" b="0"/>
+              <a:fillRect/>
             </a:stretch>
           </a:blipFill>
         </p:spPr>
       </p:sp>
       <p:sp>
         <p:nvSpPr>
-          <p:cNvPr name="Freeform 8" id="8"/>
+          <p:cNvPr id="8" name="Freeform 8"/>
           <p:cNvSpPr/>
           <p:nvPr/>
         </p:nvSpPr>
         <p:spPr>
-          <a:xfrm flipH="false" flipV="false" rot="0">
+          <a:xfrm>
             <a:off x="3476544" y="6312323"/>
             <a:ext cx="2161797" cy="2157004"/>
           </a:xfrm>
@@ -3779,9 +3779,9 @@
             <a:gdLst/>
             <a:ahLst/>
             <a:cxnLst/>
-            <a:rect r="r" b="b" t="t" l="l"/>
+            <a:rect l="l" t="t" r="r" b="b"/>
             <a:pathLst>
-              <a:path h="2157004" w="2161797">
+              <a:path w="2161797" h="2157004">
                 <a:moveTo>
                   <a:pt x="0" y="0"/>
                 </a:moveTo>
@@ -3804,19 +3804,19 @@
           <a:blipFill>
             <a:blip r:embed="rId5"/>
             <a:stretch>
-              <a:fillRect l="0" t="0" r="0" b="0"/>
+              <a:fillRect/>
             </a:stretch>
           </a:blipFill>
         </p:spPr>
       </p:sp>
       <p:sp>
         <p:nvSpPr>
-          <p:cNvPr name="Freeform 9" id="9"/>
+          <p:cNvPr id="9" name="Freeform 9"/>
           <p:cNvSpPr/>
           <p:nvPr/>
         </p:nvSpPr>
         <p:spPr>
-          <a:xfrm flipH="false" flipV="false" rot="0">
+          <a:xfrm>
             <a:off x="8329640" y="6312323"/>
             <a:ext cx="2345199" cy="2157004"/>
           </a:xfrm>
@@ -3825,9 +3825,9 @@
             <a:gdLst/>
             <a:ahLst/>
             <a:cxnLst/>
-            <a:rect r="r" b="b" t="t" l="l"/>
+            <a:rect l="l" t="t" r="r" b="b"/>
             <a:pathLst>
-              <a:path h="2157004" w="2345199">
+              <a:path w="2345199" h="2157004">
                 <a:moveTo>
                   <a:pt x="0" y="0"/>
                 </a:moveTo>
@@ -3850,19 +3850,19 @@
           <a:blipFill>
             <a:blip r:embed="rId6"/>
             <a:stretch>
-              <a:fillRect l="0" t="0" r="0" b="0"/>
+              <a:fillRect/>
             </a:stretch>
           </a:blipFill>
         </p:spPr>
       </p:sp>
       <p:sp>
         <p:nvSpPr>
-          <p:cNvPr name="Freeform 10" id="10"/>
+          <p:cNvPr id="10" name="Freeform 10"/>
           <p:cNvSpPr/>
           <p:nvPr/>
         </p:nvSpPr>
         <p:spPr>
-          <a:xfrm flipH="false" flipV="false" rot="0">
+          <a:xfrm>
             <a:off x="10963800" y="6312323"/>
             <a:ext cx="2149861" cy="2157004"/>
           </a:xfrm>
@@ -3871,9 +3871,9 @@
             <a:gdLst/>
             <a:ahLst/>
             <a:cxnLst/>
-            <a:rect r="r" b="b" t="t" l="l"/>
+            <a:rect l="l" t="t" r="r" b="b"/>
             <a:pathLst>
-              <a:path h="2157004" w="2149861">
+              <a:path w="2149861" h="2157004">
                 <a:moveTo>
                   <a:pt x="0" y="0"/>
                 </a:moveTo>
@@ -3896,19 +3896,19 @@
           <a:blipFill>
             <a:blip r:embed="rId7"/>
             <a:stretch>
-              <a:fillRect l="0" t="0" r="0" b="0"/>
+              <a:fillRect/>
             </a:stretch>
           </a:blipFill>
         </p:spPr>
       </p:sp>
       <p:sp>
         <p:nvSpPr>
-          <p:cNvPr name="Freeform 11" id="11"/>
+          <p:cNvPr id="11" name="Freeform 11"/>
           <p:cNvSpPr/>
           <p:nvPr/>
         </p:nvSpPr>
         <p:spPr>
-          <a:xfrm flipH="false" flipV="false" rot="0">
+          <a:xfrm>
             <a:off x="13402623" y="6312323"/>
             <a:ext cx="2526354" cy="2157004"/>
           </a:xfrm>
@@ -3917,9 +3917,9 @@
             <a:gdLst/>
             <a:ahLst/>
             <a:cxnLst/>
-            <a:rect r="r" b="b" t="t" l="l"/>
+            <a:rect l="l" t="t" r="r" b="b"/>
             <a:pathLst>
-              <a:path h="2157004" w="2526354">
+              <a:path w="2526354" h="2157004">
                 <a:moveTo>
                   <a:pt x="0" y="0"/>
                 </a:moveTo>
@@ -3942,19 +3942,19 @@
           <a:blipFill>
             <a:blip r:embed="rId8"/>
             <a:stretch>
-              <a:fillRect l="0" t="0" r="0" b="0"/>
+              <a:fillRect/>
             </a:stretch>
           </a:blipFill>
         </p:spPr>
       </p:sp>
       <p:sp>
         <p:nvSpPr>
-          <p:cNvPr name="Freeform 12" id="12"/>
+          <p:cNvPr id="12" name="Freeform 12"/>
           <p:cNvSpPr/>
           <p:nvPr/>
         </p:nvSpPr>
         <p:spPr>
-          <a:xfrm flipH="false" flipV="false" rot="0">
+          <a:xfrm>
             <a:off x="6227770" y="6475653"/>
             <a:ext cx="1512442" cy="1993674"/>
           </a:xfrm>
@@ -3963,9 +3963,9 @@
             <a:gdLst/>
             <a:ahLst/>
             <a:cxnLst/>
-            <a:rect r="r" b="b" t="t" l="l"/>
+            <a:rect l="l" t="t" r="r" b="b"/>
             <a:pathLst>
-              <a:path h="1993674" w="1512442">
+              <a:path w="1512442" h="1993674">
                 <a:moveTo>
                   <a:pt x="0" y="0"/>
                 </a:moveTo>
@@ -3988,19 +3988,19 @@
           <a:blipFill>
             <a:blip r:embed="rId9"/>
             <a:stretch>
-              <a:fillRect l="0" t="0" r="0" b="0"/>
+              <a:fillRect/>
             </a:stretch>
           </a:blipFill>
         </p:spPr>
       </p:sp>
       <p:sp>
         <p:nvSpPr>
-          <p:cNvPr name="TextBox 13" id="13"/>
-          <p:cNvSpPr txBox="true"/>
+          <p:cNvPr id="13" name="TextBox 13"/>
+          <p:cNvSpPr txBox="1"/>
           <p:nvPr/>
         </p:nvSpPr>
         <p:spPr>
-          <a:xfrm rot="0">
+          <a:xfrm>
             <a:off x="1028700" y="1227336"/>
             <a:ext cx="10017692" cy="784404"/>
           </a:xfrm>
@@ -4009,12 +4009,12 @@
           </a:prstGeom>
         </p:spPr>
         <p:txBody>
-          <a:bodyPr anchor="t" rtlCol="false" tIns="0" lIns="0" bIns="0" rIns="0">
+          <a:bodyPr lIns="0" tIns="0" rIns="0" bIns="0" rtlCol="0" anchor="t">
             <a:spAutoFit/>
           </a:bodyPr>
           <a:lstStyle/>
           <a:p>
-            <a:pPr algn="l" marL="0" indent="0" lvl="0">
+            <a:pPr marL="0" lvl="0" indent="0" algn="l">
               <a:lnSpc>
                 <a:spcPts val="3715"/>
               </a:lnSpc>
@@ -4036,12 +4036,12 @@
       </p:sp>
       <p:sp>
         <p:nvSpPr>
-          <p:cNvPr name="TextBox 14" id="14"/>
-          <p:cNvSpPr txBox="true"/>
+          <p:cNvPr id="14" name="TextBox 14"/>
+          <p:cNvSpPr txBox="1"/>
           <p:nvPr/>
         </p:nvSpPr>
         <p:spPr>
-          <a:xfrm rot="0">
+          <a:xfrm>
             <a:off x="1028700" y="2282138"/>
             <a:ext cx="14900277" cy="2026385"/>
           </a:xfrm>
@@ -4050,7 +4050,7 @@
           </a:prstGeom>
         </p:spPr>
         <p:txBody>
-          <a:bodyPr anchor="t" rtlCol="false" tIns="0" lIns="0" bIns="0" rIns="0">
+          <a:bodyPr lIns="0" tIns="0" rIns="0" bIns="0" rtlCol="0" anchor="t">
             <a:spAutoFit/>
           </a:bodyPr>
           <a:lstStyle/>
@@ -4077,12 +4077,12 @@
       </p:sp>
       <p:sp>
         <p:nvSpPr>
-          <p:cNvPr name="TextBox 15" id="15"/>
-          <p:cNvSpPr txBox="true"/>
+          <p:cNvPr id="15" name="TextBox 15"/>
+          <p:cNvSpPr txBox="1"/>
           <p:nvPr/>
         </p:nvSpPr>
         <p:spPr>
-          <a:xfrm rot="0">
+          <a:xfrm>
             <a:off x="1028700" y="4737148"/>
             <a:ext cx="10017692" cy="1141237"/>
           </a:xfrm>
@@ -4091,12 +4091,12 @@
           </a:prstGeom>
         </p:spPr>
         <p:txBody>
-          <a:bodyPr anchor="t" rtlCol="false" tIns="0" lIns="0" bIns="0" rIns="0">
+          <a:bodyPr lIns="0" tIns="0" rIns="0" bIns="0" rtlCol="0" anchor="t">
             <a:spAutoFit/>
           </a:bodyPr>
           <a:lstStyle/>
           <a:p>
-            <a:pPr algn="l" marL="0" indent="0" lvl="0">
+            <a:pPr marL="0" lvl="0" indent="0" algn="l">
               <a:lnSpc>
                 <a:spcPts val="7430"/>
               </a:lnSpc>
@@ -4125,13 +4125,14 @@
 </file>
 
 <file path=ppt/slides/slide3.xml><?xml version="1.0" encoding="utf-8"?>
-<p:sld xmlns:p="http://schemas.openxmlformats.org/presentationml/2006/main" xmlns:a="http://schemas.openxmlformats.org/drawingml/2006/main" xmlns:r="http://schemas.openxmlformats.org/officeDocument/2006/relationships">
+<p:sld xmlns:a="http://schemas.openxmlformats.org/drawingml/2006/main" xmlns:r="http://schemas.openxmlformats.org/officeDocument/2006/relationships" xmlns:p="http://schemas.openxmlformats.org/presentationml/2006/main">
   <p:cSld>
     <p:bg>
       <p:bgPr>
         <a:solidFill>
           <a:srgbClr val="FAF6F6"/>
         </a:solidFill>
+        <a:effectLst/>
       </p:bgPr>
     </p:bg>
     <p:spTree>
@@ -4150,12 +4151,12 @@
       </p:grpSpPr>
       <p:grpSp>
         <p:nvGrpSpPr>
-          <p:cNvPr name="Group 2" id="2"/>
+          <p:cNvPr id="2" name="Group 2"/>
           <p:cNvGrpSpPr/>
           <p:nvPr/>
         </p:nvGrpSpPr>
         <p:grpSpPr>
-          <a:xfrm rot="0">
+          <a:xfrm>
             <a:off x="438182" y="569459"/>
             <a:ext cx="17135475" cy="9148082"/>
             <a:chOff x="0" y="0"/>
@@ -4164,12 +4165,12 @@
         </p:grpSpPr>
         <p:sp>
           <p:nvSpPr>
-            <p:cNvPr name="Freeform 3" id="3"/>
+            <p:cNvPr id="3" name="Freeform 3"/>
             <p:cNvSpPr/>
             <p:nvPr/>
           </p:nvSpPr>
           <p:spPr>
-            <a:xfrm flipH="false" flipV="false" rot="0">
+            <a:xfrm>
               <a:off x="0" y="0"/>
               <a:ext cx="4513047" cy="2409371"/>
             </a:xfrm>
@@ -4178,9 +4179,9 @@
               <a:gdLst/>
               <a:ahLst/>
               <a:cxnLst/>
-              <a:rect r="r" b="b" t="t" l="l"/>
+              <a:rect l="l" t="t" r="r" b="b"/>
               <a:pathLst>
-                <a:path h="2409371" w="4513047">
+                <a:path w="4513047" h="2409371">
                   <a:moveTo>
                     <a:pt x="0" y="0"/>
                   </a:moveTo>
@@ -4213,8 +4214,8 @@
         </p:sp>
         <p:sp>
           <p:nvSpPr>
-            <p:cNvPr name="TextBox 4" id="4"/>
-            <p:cNvSpPr txBox="true"/>
+            <p:cNvPr id="4" name="TextBox 4"/>
+            <p:cNvSpPr txBox="1"/>
             <p:nvPr/>
           </p:nvSpPr>
           <p:spPr>
@@ -4227,7 +4228,7 @@
             </a:prstGeom>
           </p:spPr>
           <p:txBody>
-            <a:bodyPr anchor="ctr" rtlCol="false" tIns="50800" lIns="50800" bIns="50800" rIns="50800"/>
+            <a:bodyPr lIns="50800" tIns="50800" rIns="50800" bIns="50800" rtlCol="0" anchor="ctr"/>
             <a:lstStyle/>
             <a:p>
               <a:pPr algn="ctr">
@@ -4235,18 +4236,19 @@
                   <a:spcPts val="1960"/>
                 </a:lnSpc>
               </a:pPr>
+              <a:endParaRPr/>
             </a:p>
           </p:txBody>
         </p:sp>
       </p:grpSp>
       <p:sp>
         <p:nvSpPr>
-          <p:cNvPr name="Freeform 5" id="5"/>
+          <p:cNvPr id="5" name="Freeform 5"/>
           <p:cNvSpPr/>
           <p:nvPr/>
         </p:nvSpPr>
         <p:spPr>
-          <a:xfrm flipH="false" flipV="false" rot="0">
+          <a:xfrm>
             <a:off x="15354490" y="7390825"/>
             <a:ext cx="2933510" cy="2896175"/>
           </a:xfrm>
@@ -4255,9 +4257,9 @@
             <a:gdLst/>
             <a:ahLst/>
             <a:cxnLst/>
-            <a:rect r="r" b="b" t="t" l="l"/>
+            <a:rect l="l" t="t" r="r" b="b"/>
             <a:pathLst>
-              <a:path h="2896175" w="2933510">
+              <a:path w="2933510" h="2896175">
                 <a:moveTo>
                   <a:pt x="0" y="0"/>
                 </a:moveTo>
@@ -4286,19 +4288,19 @@
               </a:extLst>
             </a:blip>
             <a:stretch>
-              <a:fillRect l="0" t="0" r="0" b="0"/>
+              <a:fillRect/>
             </a:stretch>
           </a:blipFill>
         </p:spPr>
       </p:sp>
       <p:sp>
         <p:nvSpPr>
-          <p:cNvPr name="Freeform 6" id="6"/>
+          <p:cNvPr id="6" name="Freeform 6"/>
           <p:cNvSpPr/>
           <p:nvPr/>
         </p:nvSpPr>
         <p:spPr>
-          <a:xfrm flipH="false" flipV="false" rot="-10800000">
+          <a:xfrm rot="-10800000">
             <a:off x="0" y="0"/>
             <a:ext cx="2933510" cy="2896175"/>
           </a:xfrm>
@@ -4307,9 +4309,9 @@
             <a:gdLst/>
             <a:ahLst/>
             <a:cxnLst/>
-            <a:rect r="r" b="b" t="t" l="l"/>
+            <a:rect l="l" t="t" r="r" b="b"/>
             <a:pathLst>
-              <a:path h="2896175" w="2933510">
+              <a:path w="2933510" h="2896175">
                 <a:moveTo>
                   <a:pt x="0" y="0"/>
                 </a:moveTo>
@@ -4338,19 +4340,19 @@
               </a:extLst>
             </a:blip>
             <a:stretch>
-              <a:fillRect l="0" t="0" r="0" b="0"/>
+              <a:fillRect/>
             </a:stretch>
           </a:blipFill>
         </p:spPr>
       </p:sp>
       <p:sp>
         <p:nvSpPr>
-          <p:cNvPr name="Freeform 7" id="7"/>
+          <p:cNvPr id="7" name="Freeform 7"/>
           <p:cNvSpPr/>
           <p:nvPr/>
         </p:nvSpPr>
         <p:spPr>
-          <a:xfrm flipH="false" flipV="false" rot="0">
+          <a:xfrm>
             <a:off x="1223546" y="2245567"/>
             <a:ext cx="6593346" cy="6593346"/>
           </a:xfrm>
@@ -4359,9 +4361,9 @@
             <a:gdLst/>
             <a:ahLst/>
             <a:cxnLst/>
-            <a:rect r="r" b="b" t="t" l="l"/>
+            <a:rect l="l" t="t" r="r" b="b"/>
             <a:pathLst>
-              <a:path h="6593346" w="6593346">
+              <a:path w="6593346" h="6593346">
                 <a:moveTo>
                   <a:pt x="0" y="0"/>
                 </a:moveTo>
@@ -4391,12 +4393,12 @@
       </p:sp>
       <p:sp>
         <p:nvSpPr>
-          <p:cNvPr name="Freeform 8" id="8"/>
+          <p:cNvPr id="8" name="Freeform 8"/>
           <p:cNvSpPr/>
           <p:nvPr/>
         </p:nvSpPr>
         <p:spPr>
-          <a:xfrm flipH="false" flipV="false" rot="0">
+          <a:xfrm>
             <a:off x="8704386" y="3280110"/>
             <a:ext cx="8432293" cy="4524260"/>
           </a:xfrm>
@@ -4405,9 +4407,9 @@
             <a:gdLst/>
             <a:ahLst/>
             <a:cxnLst/>
-            <a:rect r="r" b="b" t="t" l="l"/>
+            <a:rect l="l" t="t" r="r" b="b"/>
             <a:pathLst>
-              <a:path h="4524260" w="8432293">
+              <a:path w="8432293" h="4524260">
                 <a:moveTo>
                   <a:pt x="0" y="0"/>
                 </a:moveTo>
@@ -4430,19 +4432,19 @@
           <a:blipFill>
             <a:blip r:embed="rId5"/>
             <a:stretch>
-              <a:fillRect l="0" t="0" r="0" b="0"/>
+              <a:fillRect/>
             </a:stretch>
           </a:blipFill>
         </p:spPr>
       </p:sp>
       <p:sp>
         <p:nvSpPr>
-          <p:cNvPr name="TextBox 9" id="9"/>
-          <p:cNvSpPr txBox="true"/>
+          <p:cNvPr id="9" name="TextBox 9"/>
+          <p:cNvSpPr txBox="1"/>
           <p:nvPr/>
         </p:nvSpPr>
         <p:spPr>
-          <a:xfrm rot="0">
+          <a:xfrm>
             <a:off x="4135154" y="1227336"/>
             <a:ext cx="10017692" cy="784404"/>
           </a:xfrm>
@@ -4451,12 +4453,12 @@
           </a:prstGeom>
         </p:spPr>
         <p:txBody>
-          <a:bodyPr anchor="t" rtlCol="false" tIns="0" lIns="0" bIns="0" rIns="0">
+          <a:bodyPr lIns="0" tIns="0" rIns="0" bIns="0" rtlCol="0" anchor="t">
             <a:spAutoFit/>
           </a:bodyPr>
           <a:lstStyle/>
           <a:p>
-            <a:pPr algn="l" marL="0" indent="0" lvl="0">
+            <a:pPr marL="0" lvl="0" indent="0" algn="l">
               <a:lnSpc>
                 <a:spcPts val="3715"/>
               </a:lnSpc>
@@ -4485,13 +4487,14 @@
 </file>
 
 <file path=ppt/slides/slide4.xml><?xml version="1.0" encoding="utf-8"?>
-<p:sld xmlns:p="http://schemas.openxmlformats.org/presentationml/2006/main" xmlns:a="http://schemas.openxmlformats.org/drawingml/2006/main" xmlns:r="http://schemas.openxmlformats.org/officeDocument/2006/relationships">
+<p:sld xmlns:a="http://schemas.openxmlformats.org/drawingml/2006/main" xmlns:r="http://schemas.openxmlformats.org/officeDocument/2006/relationships" xmlns:p="http://schemas.openxmlformats.org/presentationml/2006/main">
   <p:cSld>
     <p:bg>
       <p:bgPr>
         <a:solidFill>
           <a:srgbClr val="FAF6F6"/>
         </a:solidFill>
+        <a:effectLst/>
       </p:bgPr>
     </p:bg>
     <p:spTree>
@@ -4510,12 +4513,12 @@
       </p:grpSpPr>
       <p:sp>
         <p:nvSpPr>
-          <p:cNvPr name="Freeform 2" id="2"/>
+          <p:cNvPr id="2" name="Freeform 2"/>
           <p:cNvSpPr/>
           <p:nvPr/>
         </p:nvSpPr>
         <p:spPr>
-          <a:xfrm flipH="false" flipV="false" rot="0">
+          <a:xfrm>
             <a:off x="1304868" y="1514792"/>
             <a:ext cx="15678264" cy="8511991"/>
           </a:xfrm>
@@ -4524,9 +4527,9 @@
             <a:gdLst/>
             <a:ahLst/>
             <a:cxnLst/>
-            <a:rect r="r" b="b" t="t" l="l"/>
+            <a:rect l="l" t="t" r="r" b="b"/>
             <a:pathLst>
-              <a:path h="8511991" w="15678264">
+              <a:path w="15678264" h="8511991">
                 <a:moveTo>
                   <a:pt x="0" y="0"/>
                 </a:moveTo>
@@ -4549,19 +4552,19 @@
           <a:blipFill>
             <a:blip r:embed="rId2"/>
             <a:stretch>
-              <a:fillRect l="0" t="0" r="0" b="0"/>
+              <a:fillRect/>
             </a:stretch>
           </a:blipFill>
         </p:spPr>
       </p:sp>
       <p:sp>
         <p:nvSpPr>
-          <p:cNvPr name="TextBox 3" id="3"/>
-          <p:cNvSpPr txBox="true"/>
+          <p:cNvPr id="3" name="TextBox 3"/>
+          <p:cNvSpPr txBox="1"/>
           <p:nvPr/>
         </p:nvSpPr>
         <p:spPr>
-          <a:xfrm rot="0">
+          <a:xfrm>
             <a:off x="4724845" y="666433"/>
             <a:ext cx="8838310" cy="848360"/>
           </a:xfrm>
@@ -4570,7 +4573,7 @@
           </a:prstGeom>
         </p:spPr>
         <p:txBody>
-          <a:bodyPr anchor="t" rtlCol="false" tIns="0" lIns="0" bIns="0" rIns="0">
+          <a:bodyPr lIns="0" tIns="0" rIns="0" bIns="0" rtlCol="0" anchor="t">
             <a:spAutoFit/>
           </a:bodyPr>
           <a:lstStyle/>
@@ -4604,13 +4607,14 @@
 </file>
 
 <file path=ppt/slides/slide5.xml><?xml version="1.0" encoding="utf-8"?>
-<p:sld xmlns:p="http://schemas.openxmlformats.org/presentationml/2006/main" xmlns:a="http://schemas.openxmlformats.org/drawingml/2006/main" xmlns:r="http://schemas.openxmlformats.org/officeDocument/2006/relationships">
+<p:sld xmlns:a="http://schemas.openxmlformats.org/drawingml/2006/main" xmlns:r="http://schemas.openxmlformats.org/officeDocument/2006/relationships" xmlns:p="http://schemas.openxmlformats.org/presentationml/2006/main">
   <p:cSld>
     <p:bg>
       <p:bgPr>
         <a:solidFill>
           <a:srgbClr val="FAF6F6"/>
         </a:solidFill>
+        <a:effectLst/>
       </p:bgPr>
     </p:bg>
     <p:spTree>
@@ -4629,12 +4633,12 @@
       </p:grpSpPr>
       <p:grpSp>
         <p:nvGrpSpPr>
-          <p:cNvPr name="Group 2" id="2"/>
+          <p:cNvPr id="2" name="Group 2"/>
           <p:cNvGrpSpPr/>
           <p:nvPr/>
         </p:nvGrpSpPr>
         <p:grpSpPr>
-          <a:xfrm rot="0">
+          <a:xfrm>
             <a:off x="576263" y="569459"/>
             <a:ext cx="17135475" cy="9148082"/>
             <a:chOff x="0" y="0"/>
@@ -4643,12 +4647,12 @@
         </p:grpSpPr>
         <p:sp>
           <p:nvSpPr>
-            <p:cNvPr name="Freeform 3" id="3"/>
+            <p:cNvPr id="3" name="Freeform 3"/>
             <p:cNvSpPr/>
             <p:nvPr/>
           </p:nvSpPr>
           <p:spPr>
-            <a:xfrm flipH="false" flipV="false" rot="0">
+            <a:xfrm>
               <a:off x="0" y="0"/>
               <a:ext cx="4513047" cy="2409371"/>
             </a:xfrm>
@@ -4657,9 +4661,9 @@
               <a:gdLst/>
               <a:ahLst/>
               <a:cxnLst/>
-              <a:rect r="r" b="b" t="t" l="l"/>
+              <a:rect l="l" t="t" r="r" b="b"/>
               <a:pathLst>
-                <a:path h="2409371" w="4513047">
+                <a:path w="4513047" h="2409371">
                   <a:moveTo>
                     <a:pt x="0" y="0"/>
                   </a:moveTo>
@@ -4692,8 +4696,8 @@
         </p:sp>
         <p:sp>
           <p:nvSpPr>
-            <p:cNvPr name="TextBox 4" id="4"/>
-            <p:cNvSpPr txBox="true"/>
+            <p:cNvPr id="4" name="TextBox 4"/>
+            <p:cNvSpPr txBox="1"/>
             <p:nvPr/>
           </p:nvSpPr>
           <p:spPr>
@@ -4706,7 +4710,7 @@
             </a:prstGeom>
           </p:spPr>
           <p:txBody>
-            <a:bodyPr anchor="ctr" rtlCol="false" tIns="50800" lIns="50800" bIns="50800" rIns="50800"/>
+            <a:bodyPr lIns="50800" tIns="50800" rIns="50800" bIns="50800" rtlCol="0" anchor="ctr"/>
             <a:lstStyle/>
             <a:p>
               <a:pPr algn="ctr">
@@ -4714,18 +4718,19 @@
                   <a:spcPts val="1960"/>
                 </a:lnSpc>
               </a:pPr>
+              <a:endParaRPr/>
             </a:p>
           </p:txBody>
         </p:sp>
       </p:grpSp>
       <p:grpSp>
         <p:nvGrpSpPr>
-          <p:cNvPr name="Group 5" id="5"/>
+          <p:cNvPr id="5" name="Group 5"/>
           <p:cNvGrpSpPr/>
           <p:nvPr/>
         </p:nvGrpSpPr>
         <p:grpSpPr>
-          <a:xfrm rot="0">
+          <a:xfrm>
             <a:off x="2284472" y="5896450"/>
             <a:ext cx="13719057" cy="1012763"/>
             <a:chOff x="0" y="0"/>
@@ -4734,12 +4739,12 @@
         </p:grpSpPr>
         <p:sp>
           <p:nvSpPr>
-            <p:cNvPr name="Freeform 6" id="6"/>
+            <p:cNvPr id="6" name="Freeform 6"/>
             <p:cNvSpPr/>
             <p:nvPr/>
           </p:nvSpPr>
           <p:spPr>
-            <a:xfrm flipH="false" flipV="false" rot="0">
+            <a:xfrm>
               <a:off x="0" y="0"/>
               <a:ext cx="3613250" cy="266736"/>
             </a:xfrm>
@@ -4748,9 +4753,9 @@
               <a:gdLst/>
               <a:ahLst/>
               <a:cxnLst/>
-              <a:rect r="r" b="b" t="t" l="l"/>
+              <a:rect l="l" t="t" r="r" b="b"/>
               <a:pathLst>
-                <a:path h="266736" w="3613250">
+                <a:path w="3613250" h="266736">
                   <a:moveTo>
                     <a:pt x="0" y="0"/>
                   </a:moveTo>
@@ -4774,8 +4779,8 @@
         </p:sp>
         <p:sp>
           <p:nvSpPr>
-            <p:cNvPr name="TextBox 7" id="7"/>
-            <p:cNvSpPr txBox="true"/>
+            <p:cNvPr id="7" name="TextBox 7"/>
+            <p:cNvSpPr txBox="1"/>
             <p:nvPr/>
           </p:nvSpPr>
           <p:spPr>
@@ -4788,7 +4793,7 @@
             </a:prstGeom>
           </p:spPr>
           <p:txBody>
-            <a:bodyPr anchor="ctr" rtlCol="false" tIns="50800" lIns="50800" bIns="50800" rIns="50800"/>
+            <a:bodyPr lIns="50800" tIns="50800" rIns="50800" bIns="50800" rtlCol="0" anchor="ctr"/>
             <a:lstStyle/>
             <a:p>
               <a:pPr algn="ctr">
@@ -4796,18 +4801,19 @@
                   <a:spcPts val="1960"/>
                 </a:lnSpc>
               </a:pPr>
+              <a:endParaRPr/>
             </a:p>
           </p:txBody>
         </p:sp>
       </p:grpSp>
       <p:sp>
         <p:nvSpPr>
-          <p:cNvPr name="TextBox 8" id="8"/>
-          <p:cNvSpPr txBox="true"/>
+          <p:cNvPr id="8" name="TextBox 8"/>
+          <p:cNvSpPr txBox="1"/>
           <p:nvPr/>
         </p:nvSpPr>
         <p:spPr>
-          <a:xfrm rot="0">
+          <a:xfrm>
             <a:off x="2284472" y="3868648"/>
             <a:ext cx="13719057" cy="2752725"/>
           </a:xfrm>
@@ -4816,12 +4822,12 @@
           </a:prstGeom>
         </p:spPr>
         <p:txBody>
-          <a:bodyPr anchor="t" rtlCol="false" tIns="0" lIns="0" bIns="0" rIns="0">
+          <a:bodyPr lIns="0" tIns="0" rIns="0" bIns="0" rtlCol="0" anchor="t">
             <a:spAutoFit/>
           </a:bodyPr>
           <a:lstStyle/>
           <a:p>
-            <a:pPr algn="ctr" marL="0" indent="0" lvl="0">
+            <a:pPr marL="0" lvl="0" indent="0" algn="ctr">
               <a:lnSpc>
                 <a:spcPts val="18000"/>
               </a:lnSpc>
@@ -4843,12 +4849,12 @@
       </p:sp>
       <p:sp>
         <p:nvSpPr>
-          <p:cNvPr name="Freeform 9" id="9"/>
+          <p:cNvPr id="9" name="Freeform 9"/>
           <p:cNvSpPr/>
           <p:nvPr/>
         </p:nvSpPr>
         <p:spPr>
-          <a:xfrm flipH="false" flipV="false" rot="0">
+          <a:xfrm>
             <a:off x="15354490" y="7390825"/>
             <a:ext cx="2933510" cy="2896175"/>
           </a:xfrm>
@@ -4857,9 +4863,9 @@
             <a:gdLst/>
             <a:ahLst/>
             <a:cxnLst/>
-            <a:rect r="r" b="b" t="t" l="l"/>
+            <a:rect l="l" t="t" r="r" b="b"/>
             <a:pathLst>
-              <a:path h="2896175" w="2933510">
+              <a:path w="2933510" h="2896175">
                 <a:moveTo>
                   <a:pt x="0" y="0"/>
                 </a:moveTo>
@@ -4888,19 +4894,19 @@
               </a:extLst>
             </a:blip>
             <a:stretch>
-              <a:fillRect l="0" t="0" r="0" b="0"/>
+              <a:fillRect/>
             </a:stretch>
           </a:blipFill>
         </p:spPr>
       </p:sp>
       <p:sp>
         <p:nvSpPr>
-          <p:cNvPr name="Freeform 10" id="10"/>
+          <p:cNvPr id="10" name="Freeform 10"/>
           <p:cNvSpPr/>
           <p:nvPr/>
         </p:nvSpPr>
         <p:spPr>
-          <a:xfrm flipH="false" flipV="false" rot="-10800000">
+          <a:xfrm rot="-10800000">
             <a:off x="0" y="0"/>
             <a:ext cx="2933510" cy="2896175"/>
           </a:xfrm>
@@ -4909,9 +4915,9 @@
             <a:gdLst/>
             <a:ahLst/>
             <a:cxnLst/>
-            <a:rect r="r" b="b" t="t" l="l"/>
+            <a:rect l="l" t="t" r="r" b="b"/>
             <a:pathLst>
-              <a:path h="2896175" w="2933510">
+              <a:path w="2933510" h="2896175">
                 <a:moveTo>
                   <a:pt x="0" y="0"/>
                 </a:moveTo>
@@ -4940,7 +4946,7 @@
               </a:extLst>
             </a:blip>
             <a:stretch>
-              <a:fillRect l="0" t="0" r="0" b="0"/>
+              <a:fillRect/>
             </a:stretch>
           </a:blipFill>
         </p:spPr>
